--- a/システム構成/Bit_composerのシステムの流れ.pptx
+++ b/システム構成/Bit_composerのシステムの流れ.pptx
@@ -3167,6 +3167,35 @@
 </dgm:styleDef>
 </file>
 
+<file path=ppt/ink/ink1.xml><?xml version="1.0" encoding="utf-8"?>
+<inkml:ink xmlns:inkml="http://www.w3.org/2003/InkML">
+  <inkml:definitions>
+    <inkml:context xml:id="ctx0">
+      <inkml:inkSource xml:id="inkSrc0">
+        <inkml:traceFormat>
+          <inkml:channel name="X" type="integer" min="-2.14748E9" max="2.14748E9" units="cm"/>
+          <inkml:channel name="Y" type="integer" min="-2.14748E9" max="2.14748E9" units="cm"/>
+        </inkml:traceFormat>
+        <inkml:channelProperties>
+          <inkml:channelProperty channel="X" name="resolution" value="1000" units="1/cm"/>
+          <inkml:channelProperty channel="Y" name="resolution" value="1000" units="1/cm"/>
+        </inkml:channelProperties>
+      </inkml:inkSource>
+      <inkml:timestamp xml:id="ts0" timeString="2021-08-31T01:03:37.401"/>
+    </inkml:context>
+    <inkml:brush xml:id="br0">
+      <inkml:brushProperty name="width" value="0.3" units="cm"/>
+      <inkml:brushProperty name="height" value="0.6" units="cm"/>
+      <inkml:brushProperty name="color" value="#FF8517"/>
+      <inkml:brushProperty name="tip" value="rectangle"/>
+      <inkml:brushProperty name="rasterOp" value="maskPen"/>
+      <inkml:brushProperty name="ignorePressure" value="1"/>
+    </inkml:brush>
+  </inkml:definitions>
+  <inkml:trace contextRef="#ctx0" brushRef="#br0">0 0,'0'2233,"0"-2211</inkml:trace>
+</inkml:ink>
+</file>
+
 <file path=ppt/slideLayouts/slideLayout1.xml><?xml version="1.0" encoding="utf-8"?>
 <p:sldLayout xmlns:a="http://schemas.openxmlformats.org/drawingml/2006/main" xmlns:r="http://schemas.openxmlformats.org/officeDocument/2006/relationships" xmlns:p="http://schemas.openxmlformats.org/presentationml/2006/main" type="title" preserve="1">
   <p:cSld name="タイトル スライド">
@@ -3314,7 +3343,7 @@
           <a:p>
             <a:fld id="{E26CA89B-8147-4E33-A4D6-E4FBBCE4D114}" type="datetimeFigureOut">
               <a:rPr kumimoji="1" lang="ja-JP" altLang="en-US" smtClean="0"/>
-              <a:t>2021/8/30</a:t>
+              <a:t>2021/8/31</a:t>
             </a:fld>
             <a:endParaRPr kumimoji="1" lang="ja-JP" altLang="en-US"/>
           </a:p>
@@ -3544,7 +3573,7 @@
           <a:p>
             <a:fld id="{E26CA89B-8147-4E33-A4D6-E4FBBCE4D114}" type="datetimeFigureOut">
               <a:rPr kumimoji="1" lang="ja-JP" altLang="en-US" smtClean="0"/>
-              <a:t>2021/8/30</a:t>
+              <a:t>2021/8/31</a:t>
             </a:fld>
             <a:endParaRPr kumimoji="1" lang="ja-JP" altLang="en-US"/>
           </a:p>
@@ -3784,7 +3813,7 @@
           <a:p>
             <a:fld id="{E26CA89B-8147-4E33-A4D6-E4FBBCE4D114}" type="datetimeFigureOut">
               <a:rPr kumimoji="1" lang="ja-JP" altLang="en-US" smtClean="0"/>
-              <a:t>2021/8/30</a:t>
+              <a:t>2021/8/31</a:t>
             </a:fld>
             <a:endParaRPr kumimoji="1" lang="ja-JP" altLang="en-US"/>
           </a:p>
@@ -4014,7 +4043,7 @@
           <a:p>
             <a:fld id="{E26CA89B-8147-4E33-A4D6-E4FBBCE4D114}" type="datetimeFigureOut">
               <a:rPr kumimoji="1" lang="ja-JP" altLang="en-US" smtClean="0"/>
-              <a:t>2021/8/30</a:t>
+              <a:t>2021/8/31</a:t>
             </a:fld>
             <a:endParaRPr kumimoji="1" lang="ja-JP" altLang="en-US"/>
           </a:p>
@@ -4289,7 +4318,7 @@
           <a:p>
             <a:fld id="{E26CA89B-8147-4E33-A4D6-E4FBBCE4D114}" type="datetimeFigureOut">
               <a:rPr kumimoji="1" lang="ja-JP" altLang="en-US" smtClean="0"/>
-              <a:t>2021/8/30</a:t>
+              <a:t>2021/8/31</a:t>
             </a:fld>
             <a:endParaRPr kumimoji="1" lang="ja-JP" altLang="en-US"/>
           </a:p>
@@ -4618,7 +4647,7 @@
           <a:p>
             <a:fld id="{E26CA89B-8147-4E33-A4D6-E4FBBCE4D114}" type="datetimeFigureOut">
               <a:rPr kumimoji="1" lang="ja-JP" altLang="en-US" smtClean="0"/>
-              <a:t>2021/8/30</a:t>
+              <a:t>2021/8/31</a:t>
             </a:fld>
             <a:endParaRPr kumimoji="1" lang="ja-JP" altLang="en-US"/>
           </a:p>
@@ -5094,7 +5123,7 @@
           <a:p>
             <a:fld id="{E26CA89B-8147-4E33-A4D6-E4FBBCE4D114}" type="datetimeFigureOut">
               <a:rPr kumimoji="1" lang="ja-JP" altLang="en-US" smtClean="0"/>
-              <a:t>2021/8/30</a:t>
+              <a:t>2021/8/31</a:t>
             </a:fld>
             <a:endParaRPr kumimoji="1" lang="ja-JP" altLang="en-US"/>
           </a:p>
@@ -5235,7 +5264,7 @@
           <a:p>
             <a:fld id="{E26CA89B-8147-4E33-A4D6-E4FBBCE4D114}" type="datetimeFigureOut">
               <a:rPr kumimoji="1" lang="ja-JP" altLang="en-US" smtClean="0"/>
-              <a:t>2021/8/30</a:t>
+              <a:t>2021/8/31</a:t>
             </a:fld>
             <a:endParaRPr kumimoji="1" lang="ja-JP" altLang="en-US"/>
           </a:p>
@@ -5348,7 +5377,7 @@
           <a:p>
             <a:fld id="{E26CA89B-8147-4E33-A4D6-E4FBBCE4D114}" type="datetimeFigureOut">
               <a:rPr kumimoji="1" lang="ja-JP" altLang="en-US" smtClean="0"/>
-              <a:t>2021/8/30</a:t>
+              <a:t>2021/8/31</a:t>
             </a:fld>
             <a:endParaRPr kumimoji="1" lang="ja-JP" altLang="en-US"/>
           </a:p>
@@ -5691,7 +5720,7 @@
           <a:p>
             <a:fld id="{E26CA89B-8147-4E33-A4D6-E4FBBCE4D114}" type="datetimeFigureOut">
               <a:rPr kumimoji="1" lang="ja-JP" altLang="en-US" smtClean="0"/>
-              <a:t>2021/8/30</a:t>
+              <a:t>2021/8/31</a:t>
             </a:fld>
             <a:endParaRPr kumimoji="1" lang="ja-JP" altLang="en-US"/>
           </a:p>
@@ -5979,7 +6008,7 @@
           <a:p>
             <a:fld id="{E26CA89B-8147-4E33-A4D6-E4FBBCE4D114}" type="datetimeFigureOut">
               <a:rPr kumimoji="1" lang="ja-JP" altLang="en-US" smtClean="0"/>
-              <a:t>2021/8/30</a:t>
+              <a:t>2021/8/31</a:t>
             </a:fld>
             <a:endParaRPr kumimoji="1" lang="ja-JP" altLang="en-US"/>
           </a:p>
@@ -6252,7 +6281,7 @@
           <a:p>
             <a:fld id="{E26CA89B-8147-4E33-A4D6-E4FBBCE4D114}" type="datetimeFigureOut">
               <a:rPr kumimoji="1" lang="ja-JP" altLang="en-US" smtClean="0"/>
-              <a:t>2021/8/30</a:t>
+              <a:t>2021/8/31</a:t>
             </a:fld>
             <a:endParaRPr kumimoji="1" lang="ja-JP" altLang="en-US"/>
           </a:p>
@@ -6896,7 +6925,7 @@
         <p:spPr>
           <a:xfrm>
             <a:off x="332509" y="1490007"/>
-            <a:ext cx="11660319" cy="3139321"/>
+            <a:ext cx="11660319" cy="3970318"/>
           </a:xfrm>
           <a:prstGeom prst="rect">
             <a:avLst/>
@@ -6930,8 +6959,38 @@
             </a:pPr>
             <a:r>
               <a:rPr kumimoji="1" lang="ja-JP" altLang="en-US" dirty="0"/>
-              <a:t>作る曲の小節数　テンポ　音を入力</a:t>
-            </a:r>
+              <a:t>テンポ　音　</a:t>
+            </a:r>
+            <a:r>
+              <a:rPr lang="ja-JP" altLang="en-US" dirty="0"/>
+              <a:t>作る曲の小節数</a:t>
+            </a:r>
+            <a:r>
+              <a:rPr kumimoji="1" lang="ja-JP" altLang="en-US" dirty="0"/>
+              <a:t>を入力</a:t>
+            </a:r>
+            <a:endParaRPr kumimoji="1" lang="en-US" altLang="ja-JP" dirty="0"/>
+          </a:p>
+          <a:p>
+            <a:pPr marL="742950" lvl="1" indent="-285750">
+              <a:buFont typeface="Arial" panose="020B0604020202020204" pitchFamily="34" charset="0"/>
+              <a:buChar char="•"/>
+            </a:pPr>
+            <a:r>
+              <a:rPr lang="en-US" altLang="ja-JP" dirty="0"/>
+              <a:t>2</a:t>
+            </a:r>
+            <a:r>
+              <a:rPr lang="ja-JP" altLang="en-US" dirty="0"/>
+              <a:t>小節まで音を入力できる</a:t>
+            </a:r>
+            <a:endParaRPr lang="en-US" altLang="ja-JP" dirty="0"/>
+          </a:p>
+          <a:p>
+            <a:pPr marL="742950" lvl="1" indent="-285750">
+              <a:buFont typeface="Arial" panose="020B0604020202020204" pitchFamily="34" charset="0"/>
+              <a:buChar char="•"/>
+            </a:pPr>
             <a:endParaRPr lang="en-US" altLang="ja-JP" dirty="0"/>
           </a:p>
           <a:p>
@@ -6965,6 +7024,13 @@
             <a:endParaRPr lang="en-US" altLang="ja-JP" dirty="0"/>
           </a:p>
           <a:p>
+            <a:pPr marL="742950" lvl="1" indent="-285750">
+              <a:buFont typeface="Arial" panose="020B0604020202020204" pitchFamily="34" charset="0"/>
+              <a:buChar char="•"/>
+            </a:pPr>
+            <a:endParaRPr lang="en-US" altLang="ja-JP" dirty="0"/>
+          </a:p>
+          <a:p>
             <a:pPr marL="285750" indent="-285750">
               <a:buFont typeface="Arial" panose="020B0604020202020204" pitchFamily="34" charset="0"/>
               <a:buChar char="•"/>
@@ -6986,7 +7052,7 @@
             </a:r>
             <a:r>
               <a:rPr kumimoji="1" lang="ja-JP" altLang="en-US" dirty="0"/>
-              <a:t>の文字</a:t>
+              <a:t>のロゴ</a:t>
             </a:r>
             <a:endParaRPr kumimoji="1" lang="en-US" altLang="ja-JP" dirty="0"/>
           </a:p>
@@ -9450,14 +9516,250 @@
         </p:blipFill>
         <p:spPr>
           <a:xfrm>
-            <a:off x="92364" y="1246802"/>
-            <a:ext cx="4899782" cy="1959913"/>
+            <a:off x="34700" y="1278251"/>
+            <a:ext cx="7296344" cy="1959913"/>
           </a:xfrm>
           <a:prstGeom prst="rect">
             <a:avLst/>
           </a:prstGeom>
         </p:spPr>
       </p:pic>
+      <p:pic>
+        <p:nvPicPr>
+          <p:cNvPr id="6" name="図 5">
+            <a:extLst>
+              <a:ext uri="{FF2B5EF4-FFF2-40B4-BE49-F238E27FC236}">
+                <a16:creationId xmlns:a16="http://schemas.microsoft.com/office/drawing/2014/main" id="{C7D33B3D-AF7A-47C5-AAAB-829BDBC9667D}"/>
+              </a:ext>
+            </a:extLst>
+          </p:cNvPr>
+          <p:cNvPicPr>
+            <a:picLocks noChangeAspect="1"/>
+          </p:cNvPicPr>
+          <p:nvPr/>
+        </p:nvPicPr>
+        <p:blipFill>
+          <a:blip r:embed="rId10">
+            <a:extLst>
+              <a:ext uri="{28A0092B-C50C-407E-A947-70E740481C1C}">
+                <a14:useLocalDpi xmlns:a14="http://schemas.microsoft.com/office/drawing/2010/main" val="0"/>
+              </a:ext>
+            </a:extLst>
+          </a:blip>
+          <a:stretch>
+            <a:fillRect/>
+          </a:stretch>
+        </p:blipFill>
+        <p:spPr>
+          <a:xfrm>
+            <a:off x="2269649" y="1961853"/>
+            <a:ext cx="1113039" cy="1113039"/>
+          </a:xfrm>
+          <a:prstGeom prst="rect">
+            <a:avLst/>
+          </a:prstGeom>
+        </p:spPr>
+      </p:pic>
+      <p:pic>
+        <p:nvPicPr>
+          <p:cNvPr id="10" name="図 9">
+            <a:extLst>
+              <a:ext uri="{FF2B5EF4-FFF2-40B4-BE49-F238E27FC236}">
+                <a16:creationId xmlns:a16="http://schemas.microsoft.com/office/drawing/2014/main" id="{AD890278-A4F3-4885-9CBF-4BB77E5C2C52}"/>
+              </a:ext>
+            </a:extLst>
+          </p:cNvPr>
+          <p:cNvPicPr>
+            <a:picLocks noChangeAspect="1"/>
+          </p:cNvPicPr>
+          <p:nvPr/>
+        </p:nvPicPr>
+        <p:blipFill>
+          <a:blip r:embed="rId11">
+            <a:extLst>
+              <a:ext uri="{28A0092B-C50C-407E-A947-70E740481C1C}">
+                <a14:useLocalDpi xmlns:a14="http://schemas.microsoft.com/office/drawing/2010/main" val="0"/>
+              </a:ext>
+            </a:extLst>
+          </a:blip>
+          <a:stretch>
+            <a:fillRect/>
+          </a:stretch>
+        </p:blipFill>
+        <p:spPr>
+          <a:xfrm>
+            <a:off x="3126352" y="1848374"/>
+            <a:ext cx="1113040" cy="1113040"/>
+          </a:xfrm>
+          <a:prstGeom prst="rect">
+            <a:avLst/>
+          </a:prstGeom>
+        </p:spPr>
+      </p:pic>
+      <p:pic>
+        <p:nvPicPr>
+          <p:cNvPr id="14" name="図 13">
+            <a:extLst>
+              <a:ext uri="{FF2B5EF4-FFF2-40B4-BE49-F238E27FC236}">
+                <a16:creationId xmlns:a16="http://schemas.microsoft.com/office/drawing/2014/main" id="{A58EF634-F464-4C01-A4B6-51906EEC2F63}"/>
+              </a:ext>
+            </a:extLst>
+          </p:cNvPr>
+          <p:cNvPicPr>
+            <a:picLocks noChangeAspect="1"/>
+          </p:cNvPicPr>
+          <p:nvPr/>
+        </p:nvPicPr>
+        <p:blipFill>
+          <a:blip r:embed="rId12">
+            <a:extLst>
+              <a:ext uri="{28A0092B-C50C-407E-A947-70E740481C1C}">
+                <a14:useLocalDpi xmlns:a14="http://schemas.microsoft.com/office/drawing/2010/main" val="0"/>
+              </a:ext>
+            </a:extLst>
+          </a:blip>
+          <a:stretch>
+            <a:fillRect/>
+          </a:stretch>
+        </p:blipFill>
+        <p:spPr>
+          <a:xfrm>
+            <a:off x="3902597" y="1774783"/>
+            <a:ext cx="1113041" cy="1113041"/>
+          </a:xfrm>
+          <a:prstGeom prst="rect">
+            <a:avLst/>
+          </a:prstGeom>
+        </p:spPr>
+      </p:pic>
+      <mc:AlternateContent xmlns:mc="http://schemas.openxmlformats.org/markup-compatibility/2006">
+        <mc:Choice xmlns:p14="http://schemas.microsoft.com/office/powerpoint/2010/main" Requires="p14">
+          <p:contentPart p14:bwMode="auto" r:id="rId13">
+            <p14:nvContentPartPr>
+              <p14:cNvPr id="79" name="インク 78">
+                <a:extLst>
+                  <a:ext uri="{FF2B5EF4-FFF2-40B4-BE49-F238E27FC236}">
+                    <a16:creationId xmlns:a16="http://schemas.microsoft.com/office/drawing/2014/main" id="{C6DDFF61-F9A2-428D-B5AF-72C924937A36}"/>
+                  </a:ext>
+                </a:extLst>
+              </p14:cNvPr>
+              <p14:cNvContentPartPr/>
+              <p14:nvPr/>
+            </p14:nvContentPartPr>
+            <p14:xfrm>
+              <a:off x="5338382" y="1902433"/>
+              <a:ext cx="360" cy="812160"/>
+            </p14:xfrm>
+          </p:contentPart>
+        </mc:Choice>
+        <mc:Fallback>
+          <p:pic>
+            <p:nvPicPr>
+              <p:cNvPr id="79" name="インク 78">
+                <a:extLst>
+                  <a:ext uri="{FF2B5EF4-FFF2-40B4-BE49-F238E27FC236}">
+                    <a16:creationId xmlns:a16="http://schemas.microsoft.com/office/drawing/2014/main" id="{C6DDFF61-F9A2-428D-B5AF-72C924937A36}"/>
+                  </a:ext>
+                </a:extLst>
+              </p:cNvPr>
+              <p:cNvPicPr/>
+              <p:nvPr/>
+            </p:nvPicPr>
+            <p:blipFill>
+              <a:blip r:embed="rId14"/>
+              <a:stretch>
+                <a:fillRect/>
+              </a:stretch>
+            </p:blipFill>
+            <p:spPr>
+              <a:xfrm>
+                <a:off x="5284382" y="1794433"/>
+                <a:ext cx="108000" cy="1027800"/>
+              </a:xfrm>
+              <a:prstGeom prst="rect">
+                <a:avLst/>
+              </a:prstGeom>
+            </p:spPr>
+          </p:pic>
+        </mc:Fallback>
+      </mc:AlternateContent>
+      <p:cxnSp>
+        <p:nvCxnSpPr>
+          <p:cNvPr id="91" name="直線矢印コネクタ 90">
+            <a:extLst>
+              <a:ext uri="{FF2B5EF4-FFF2-40B4-BE49-F238E27FC236}">
+                <a16:creationId xmlns:a16="http://schemas.microsoft.com/office/drawing/2014/main" id="{5F05BD20-284D-46E3-A29D-576CB3862E7F}"/>
+              </a:ext>
+            </a:extLst>
+          </p:cNvPr>
+          <p:cNvCxnSpPr>
+            <a:cxnSpLocks/>
+          </p:cNvCxnSpPr>
+          <p:nvPr/>
+        </p:nvCxnSpPr>
+        <p:spPr>
+          <a:xfrm flipH="1">
+            <a:off x="5541807" y="1408094"/>
+            <a:ext cx="244762" cy="272924"/>
+          </a:xfrm>
+          <a:prstGeom prst="straightConnector1">
+            <a:avLst/>
+          </a:prstGeom>
+          <a:ln>
+            <a:tailEnd type="triangle"/>
+          </a:ln>
+        </p:spPr>
+        <p:style>
+          <a:lnRef idx="1">
+            <a:schemeClr val="dk1"/>
+          </a:lnRef>
+          <a:fillRef idx="0">
+            <a:schemeClr val="dk1"/>
+          </a:fillRef>
+          <a:effectRef idx="0">
+            <a:schemeClr val="dk1"/>
+          </a:effectRef>
+          <a:fontRef idx="minor">
+            <a:schemeClr val="tx1"/>
+          </a:fontRef>
+        </p:style>
+      </p:cxnSp>
+      <p:sp>
+        <p:nvSpPr>
+          <p:cNvPr id="93" name="テキスト ボックス 92">
+            <a:extLst>
+              <a:ext uri="{FF2B5EF4-FFF2-40B4-BE49-F238E27FC236}">
+                <a16:creationId xmlns:a16="http://schemas.microsoft.com/office/drawing/2014/main" id="{60C7894D-F1C4-4052-8C60-D00D3A86DA9C}"/>
+              </a:ext>
+            </a:extLst>
+          </p:cNvPr>
+          <p:cNvSpPr txBox="1"/>
+          <p:nvPr/>
+        </p:nvSpPr>
+        <p:spPr>
+          <a:xfrm>
+            <a:off x="5786569" y="962360"/>
+            <a:ext cx="1602139" cy="646331"/>
+          </a:xfrm>
+          <a:prstGeom prst="rect">
+            <a:avLst/>
+          </a:prstGeom>
+          <a:noFill/>
+        </p:spPr>
+        <p:txBody>
+          <a:bodyPr wrap="square" rtlCol="0">
+            <a:spAutoFit/>
+          </a:bodyPr>
+          <a:lstStyle/>
+          <a:p>
+            <a:r>
+              <a:rPr lang="ja-JP" altLang="en-US" dirty="0"/>
+              <a:t>選択した音符が配置される</a:t>
+            </a:r>
+            <a:endParaRPr kumimoji="1" lang="ja-JP" altLang="en-US" dirty="0"/>
+          </a:p>
+        </p:txBody>
+      </p:sp>
     </p:spTree>
     <p:extLst>
       <p:ext uri="{BB962C8B-B14F-4D97-AF65-F5344CB8AC3E}">
